--- a/optimizing/Pinout.pptx
+++ b/optimizing/Pinout.pptx
@@ -3375,7 +3375,7 @@
         </p:blipFill>
         <p:spPr>
           <a:xfrm>
-            <a:off x="6468788" y="1575456"/>
+            <a:off x="6710088" y="1575456"/>
             <a:ext cx="4098719" cy="3857919"/>
           </a:xfrm>
           <a:prstGeom prst="rect">
@@ -3411,7 +3411,7 @@
         </p:blipFill>
         <p:spPr>
           <a:xfrm>
-            <a:off x="2042476" y="1628481"/>
+            <a:off x="1740814" y="1628481"/>
             <a:ext cx="4572000" cy="3429000"/>
           </a:xfrm>
           <a:prstGeom prst="rect">
@@ -3435,7 +3435,7 @@
         </p:nvCxnSpPr>
         <p:spPr>
           <a:xfrm>
-            <a:off x="8559537" y="4345084"/>
+            <a:off x="8800837" y="4345084"/>
             <a:ext cx="0" cy="746513"/>
           </a:xfrm>
           <a:prstGeom prst="line">
@@ -3482,7 +3482,7 @@
         </p:nvCxnSpPr>
         <p:spPr>
           <a:xfrm>
-            <a:off x="8365126" y="4343852"/>
+            <a:off x="8606426" y="4343852"/>
             <a:ext cx="0" cy="715087"/>
           </a:xfrm>
           <a:prstGeom prst="line">
@@ -3522,13 +3522,15 @@
               </a:ext>
             </a:extLst>
           </p:cNvPr>
-          <p:cNvCxnSpPr/>
+          <p:cNvCxnSpPr>
+            <a:cxnSpLocks/>
+          </p:cNvCxnSpPr>
           <p:nvPr/>
         </p:nvCxnSpPr>
         <p:spPr>
           <a:xfrm>
-            <a:off x="4517012" y="3968684"/>
-            <a:ext cx="0" cy="622169"/>
+            <a:off x="4215350" y="3948654"/>
+            <a:ext cx="0" cy="1075693"/>
           </a:xfrm>
           <a:prstGeom prst="line">
             <a:avLst/>
@@ -3572,7 +3574,7 @@
         </p:nvSpPr>
         <p:spPr>
           <a:xfrm>
-            <a:off x="3063120" y="4537542"/>
+            <a:off x="2761458" y="4918248"/>
             <a:ext cx="2841804" cy="707886"/>
           </a:xfrm>
           <a:prstGeom prst="rect">
@@ -3629,7 +3631,7 @@
         </p:nvSpPr>
         <p:spPr>
           <a:xfrm>
-            <a:off x="6917370" y="4832734"/>
+            <a:off x="7158670" y="4880359"/>
             <a:ext cx="1470980" cy="707886"/>
           </a:xfrm>
           <a:prstGeom prst="rect">
@@ -3707,7 +3709,7 @@
         </p:nvSpPr>
         <p:spPr>
           <a:xfrm>
-            <a:off x="9096020" y="4842259"/>
+            <a:off x="9337320" y="4889884"/>
             <a:ext cx="1112164" cy="707886"/>
           </a:xfrm>
           <a:prstGeom prst="rect">
@@ -3762,7 +3764,7 @@
         </p:nvSpPr>
         <p:spPr>
           <a:xfrm>
-            <a:off x="2627871" y="1797398"/>
+            <a:off x="2326209" y="1797398"/>
             <a:ext cx="3468129" cy="369332"/>
           </a:xfrm>
           <a:prstGeom prst="rect">
@@ -3806,7 +3808,7 @@
         </p:nvSpPr>
         <p:spPr>
           <a:xfrm>
-            <a:off x="8020254" y="1797398"/>
+            <a:off x="8261554" y="1797398"/>
             <a:ext cx="995785" cy="369332"/>
           </a:xfrm>
           <a:prstGeom prst="rect">
@@ -3852,7 +3854,7 @@
         </p:nvCxnSpPr>
         <p:spPr>
           <a:xfrm flipV="1">
-            <a:off x="8550011" y="5044377"/>
+            <a:off x="8791311" y="5092002"/>
             <a:ext cx="536838" cy="2033"/>
           </a:xfrm>
           <a:prstGeom prst="straightConnector1">
@@ -3900,7 +3902,7 @@
         </p:nvCxnSpPr>
         <p:spPr>
           <a:xfrm flipH="1">
-            <a:off x="7859137" y="5044377"/>
+            <a:off x="8100437" y="5092002"/>
             <a:ext cx="504108" cy="0"/>
           </a:xfrm>
           <a:prstGeom prst="straightConnector1">
@@ -3932,6 +3934,366 @@
           </a:fontRef>
         </p:style>
       </p:cxnSp>
+      <p:cxnSp>
+        <p:nvCxnSpPr>
+          <p:cNvPr id="19" name="直接连接符 18">
+            <a:extLst>
+              <a:ext uri="{FF2B5EF4-FFF2-40B4-BE49-F238E27FC236}">
+                <a16:creationId xmlns:a16="http://schemas.microsoft.com/office/drawing/2014/main" id="{2208061C-0DA0-48A4-BECE-FBAA0A26DF16}"/>
+              </a:ext>
+            </a:extLst>
+          </p:cNvPr>
+          <p:cNvCxnSpPr>
+            <a:cxnSpLocks/>
+          </p:cNvCxnSpPr>
+          <p:nvPr/>
+        </p:nvCxnSpPr>
+        <p:spPr>
+          <a:xfrm>
+            <a:off x="3967700" y="3948654"/>
+            <a:ext cx="0" cy="733316"/>
+          </a:xfrm>
+          <a:prstGeom prst="line">
+            <a:avLst/>
+          </a:prstGeom>
+          <a:ln w="19050">
+            <a:solidFill>
+              <a:schemeClr val="tx1">
+                <a:lumMod val="50000"/>
+                <a:lumOff val="50000"/>
+              </a:schemeClr>
+            </a:solidFill>
+            <a:prstDash val="dash"/>
+          </a:ln>
+        </p:spPr>
+        <p:style>
+          <a:lnRef idx="1">
+            <a:schemeClr val="accent1"/>
+          </a:lnRef>
+          <a:fillRef idx="0">
+            <a:schemeClr val="accent1"/>
+          </a:fillRef>
+          <a:effectRef idx="0">
+            <a:schemeClr val="accent1"/>
+          </a:effectRef>
+          <a:fontRef idx="minor">
+            <a:schemeClr val="tx1"/>
+          </a:fontRef>
+        </p:style>
+      </p:cxnSp>
+      <p:sp>
+        <p:nvSpPr>
+          <p:cNvPr id="10" name="矩形 9">
+            <a:extLst>
+              <a:ext uri="{FF2B5EF4-FFF2-40B4-BE49-F238E27FC236}">
+                <a16:creationId xmlns:a16="http://schemas.microsoft.com/office/drawing/2014/main" id="{A911E967-7D3C-4C5E-8FE6-ECB06B6CA415}"/>
+              </a:ext>
+            </a:extLst>
+          </p:cNvPr>
+          <p:cNvSpPr/>
+          <p:nvPr/>
+        </p:nvSpPr>
+        <p:spPr>
+          <a:xfrm>
+            <a:off x="2629006" y="4439534"/>
+            <a:ext cx="628650" cy="200025"/>
+          </a:xfrm>
+          <a:prstGeom prst="rect">
+            <a:avLst/>
+          </a:prstGeom>
+          <a:solidFill>
+            <a:srgbClr val="FF9900"/>
+          </a:solidFill>
+          <a:ln>
+            <a:solidFill>
+              <a:srgbClr val="FF9900"/>
+            </a:solidFill>
+          </a:ln>
+        </p:spPr>
+        <p:style>
+          <a:lnRef idx="3">
+            <a:schemeClr val="lt1"/>
+          </a:lnRef>
+          <a:fillRef idx="1">
+            <a:schemeClr val="accent5"/>
+          </a:fillRef>
+          <a:effectRef idx="1">
+            <a:schemeClr val="accent5"/>
+          </a:effectRef>
+          <a:fontRef idx="minor">
+            <a:schemeClr val="lt1"/>
+          </a:fontRef>
+        </p:style>
+        <p:txBody>
+          <a:bodyPr rtlCol="0" anchor="ctr"/>
+          <a:lstStyle/>
+          <a:p>
+            <a:pPr algn="ctr"/>
+            <a:r>
+              <a:rPr lang="en-US">
+                <a:latin typeface="Times New Roman" panose="02020603050405020304" pitchFamily="18" charset="0"/>
+                <a:cs typeface="Times New Roman" panose="02020603050405020304" pitchFamily="18" charset="0"/>
+              </a:rPr>
+              <a:t>3.3</a:t>
+            </a:r>
+            <a:r>
+              <a:rPr lang="en-US" altLang="zh-CN">
+                <a:latin typeface="Times New Roman" panose="02020603050405020304" pitchFamily="18" charset="0"/>
+                <a:cs typeface="Times New Roman" panose="02020603050405020304" pitchFamily="18" charset="0"/>
+              </a:rPr>
+              <a:t>v</a:t>
+            </a:r>
+            <a:endParaRPr lang="en-US">
+              <a:latin typeface="Times New Roman" panose="02020603050405020304" pitchFamily="18" charset="0"/>
+              <a:cs typeface="Times New Roman" panose="02020603050405020304" pitchFamily="18" charset="0"/>
+            </a:endParaRPr>
+          </a:p>
+        </p:txBody>
+      </p:sp>
+      <p:sp>
+        <p:nvSpPr>
+          <p:cNvPr id="20" name="矩形 19">
+            <a:extLst>
+              <a:ext uri="{FF2B5EF4-FFF2-40B4-BE49-F238E27FC236}">
+                <a16:creationId xmlns:a16="http://schemas.microsoft.com/office/drawing/2014/main" id="{19BAD38B-D906-424A-82B4-24DC03512328}"/>
+              </a:ext>
+            </a:extLst>
+          </p:cNvPr>
+          <p:cNvSpPr/>
+          <p:nvPr/>
+        </p:nvSpPr>
+        <p:spPr>
+          <a:xfrm>
+            <a:off x="2629006" y="4740847"/>
+            <a:ext cx="628650" cy="200025"/>
+          </a:xfrm>
+          <a:prstGeom prst="rect">
+            <a:avLst/>
+          </a:prstGeom>
+          <a:solidFill>
+            <a:srgbClr val="FF0000"/>
+          </a:solidFill>
+          <a:ln>
+            <a:solidFill>
+              <a:srgbClr val="FF0000"/>
+            </a:solidFill>
+          </a:ln>
+        </p:spPr>
+        <p:style>
+          <a:lnRef idx="3">
+            <a:schemeClr val="lt1"/>
+          </a:lnRef>
+          <a:fillRef idx="1">
+            <a:schemeClr val="accent5"/>
+          </a:fillRef>
+          <a:effectRef idx="1">
+            <a:schemeClr val="accent5"/>
+          </a:effectRef>
+          <a:fontRef idx="minor">
+            <a:schemeClr val="lt1"/>
+          </a:fontRef>
+        </p:style>
+        <p:txBody>
+          <a:bodyPr rtlCol="0" anchor="ctr"/>
+          <a:lstStyle/>
+          <a:p>
+            <a:pPr algn="ctr"/>
+            <a:r>
+              <a:rPr lang="en-US">
+                <a:latin typeface="Times New Roman" panose="02020603050405020304" pitchFamily="18" charset="0"/>
+                <a:cs typeface="Times New Roman" panose="02020603050405020304" pitchFamily="18" charset="0"/>
+              </a:rPr>
+              <a:t>5v</a:t>
+            </a:r>
+          </a:p>
+        </p:txBody>
+      </p:sp>
+      <p:sp>
+        <p:nvSpPr>
+          <p:cNvPr id="21" name="矩形 20">
+            <a:extLst>
+              <a:ext uri="{FF2B5EF4-FFF2-40B4-BE49-F238E27FC236}">
+                <a16:creationId xmlns:a16="http://schemas.microsoft.com/office/drawing/2014/main" id="{3158CCE4-C86E-481C-A0E7-59A510068908}"/>
+              </a:ext>
+            </a:extLst>
+          </p:cNvPr>
+          <p:cNvSpPr/>
+          <p:nvPr/>
+        </p:nvSpPr>
+        <p:spPr>
+          <a:xfrm>
+            <a:off x="7623600" y="4458152"/>
+            <a:ext cx="628650" cy="200025"/>
+          </a:xfrm>
+          <a:prstGeom prst="rect">
+            <a:avLst/>
+          </a:prstGeom>
+          <a:solidFill>
+            <a:srgbClr val="FF0000"/>
+          </a:solidFill>
+          <a:ln>
+            <a:solidFill>
+              <a:srgbClr val="FF0000"/>
+            </a:solidFill>
+          </a:ln>
+        </p:spPr>
+        <p:style>
+          <a:lnRef idx="3">
+            <a:schemeClr val="lt1"/>
+          </a:lnRef>
+          <a:fillRef idx="1">
+            <a:schemeClr val="accent5"/>
+          </a:fillRef>
+          <a:effectRef idx="1">
+            <a:schemeClr val="accent5"/>
+          </a:effectRef>
+          <a:fontRef idx="minor">
+            <a:schemeClr val="lt1"/>
+          </a:fontRef>
+        </p:style>
+        <p:txBody>
+          <a:bodyPr rtlCol="0" anchor="ctr"/>
+          <a:lstStyle/>
+          <a:p>
+            <a:pPr algn="ctr"/>
+            <a:r>
+              <a:rPr lang="en-US">
+                <a:latin typeface="Times New Roman" panose="02020603050405020304" pitchFamily="18" charset="0"/>
+                <a:cs typeface="Times New Roman" panose="02020603050405020304" pitchFamily="18" charset="0"/>
+              </a:rPr>
+              <a:t>5v</a:t>
+            </a:r>
+          </a:p>
+        </p:txBody>
+      </p:sp>
+      <p:cxnSp>
+        <p:nvCxnSpPr>
+          <p:cNvPr id="27" name="直接箭头连接符 26">
+            <a:extLst>
+              <a:ext uri="{FF2B5EF4-FFF2-40B4-BE49-F238E27FC236}">
+                <a16:creationId xmlns:a16="http://schemas.microsoft.com/office/drawing/2014/main" id="{CD5DDCBA-45CE-4631-88F1-3AF5F821B0B2}"/>
+              </a:ext>
+            </a:extLst>
+          </p:cNvPr>
+          <p:cNvCxnSpPr/>
+          <p:nvPr/>
+        </p:nvCxnSpPr>
+        <p:spPr>
+          <a:xfrm flipH="1">
+            <a:off x="3308313" y="4681970"/>
+            <a:ext cx="659387" cy="0"/>
+          </a:xfrm>
+          <a:prstGeom prst="straightConnector1">
+            <a:avLst/>
+          </a:prstGeom>
+          <a:ln w="19050">
+            <a:solidFill>
+              <a:schemeClr val="tx1">
+                <a:lumMod val="50000"/>
+                <a:lumOff val="50000"/>
+              </a:schemeClr>
+            </a:solidFill>
+            <a:prstDash val="dash"/>
+            <a:tailEnd type="triangle"/>
+          </a:ln>
+        </p:spPr>
+        <p:style>
+          <a:lnRef idx="1">
+            <a:schemeClr val="accent1"/>
+          </a:lnRef>
+          <a:fillRef idx="0">
+            <a:schemeClr val="accent1"/>
+          </a:fillRef>
+          <a:effectRef idx="0">
+            <a:schemeClr val="accent1"/>
+          </a:effectRef>
+          <a:fontRef idx="minor">
+            <a:schemeClr val="tx1"/>
+          </a:fontRef>
+        </p:style>
+      </p:cxnSp>
+      <p:sp>
+        <p:nvSpPr>
+          <p:cNvPr id="29" name="椭圆 28">
+            <a:extLst>
+              <a:ext uri="{FF2B5EF4-FFF2-40B4-BE49-F238E27FC236}">
+                <a16:creationId xmlns:a16="http://schemas.microsoft.com/office/drawing/2014/main" id="{834F3882-559F-475D-BFCD-257236552ACA}"/>
+              </a:ext>
+            </a:extLst>
+          </p:cNvPr>
+          <p:cNvSpPr/>
+          <p:nvPr/>
+        </p:nvSpPr>
+        <p:spPr>
+          <a:xfrm>
+            <a:off x="5974795" y="2890493"/>
+            <a:ext cx="741353" cy="613922"/>
+          </a:xfrm>
+          <a:prstGeom prst="ellipse">
+            <a:avLst/>
+          </a:prstGeom>
+          <a:solidFill>
+            <a:schemeClr val="bg1">
+              <a:lumMod val="95000"/>
+            </a:schemeClr>
+          </a:solidFill>
+          <a:ln>
+            <a:noFill/>
+          </a:ln>
+          <a:effectLst>
+            <a:outerShdw blurRad="107950" dist="12700" dir="5400000" algn="ctr">
+              <a:srgbClr val="000000"/>
+            </a:outerShdw>
+          </a:effectLst>
+          <a:scene3d>
+            <a:camera prst="orthographicFront">
+              <a:rot lat="0" lon="0" rev="0"/>
+            </a:camera>
+            <a:lightRig rig="soft" dir="t">
+              <a:rot lat="0" lon="0" rev="0"/>
+            </a:lightRig>
+          </a:scene3d>
+          <a:sp3d contourW="44450" prstMaterial="matte">
+            <a:bevelT w="63500" h="63500" prst="artDeco"/>
+            <a:contourClr>
+              <a:srgbClr val="FFFFFF"/>
+            </a:contourClr>
+          </a:sp3d>
+        </p:spPr>
+        <p:style>
+          <a:lnRef idx="2">
+            <a:schemeClr val="accent1">
+              <a:shade val="50000"/>
+            </a:schemeClr>
+          </a:lnRef>
+          <a:fillRef idx="1">
+            <a:schemeClr val="accent1"/>
+          </a:fillRef>
+          <a:effectRef idx="0">
+            <a:schemeClr val="accent1"/>
+          </a:effectRef>
+          <a:fontRef idx="minor">
+            <a:schemeClr val="lt1"/>
+          </a:fontRef>
+        </p:style>
+        <p:txBody>
+          <a:bodyPr rtlCol="0" anchor="ctr"/>
+          <a:lstStyle/>
+          <a:p>
+            <a:pPr algn="ctr"/>
+            <a:r>
+              <a:rPr lang="en-US" b="1">
+                <a:solidFill>
+                  <a:srgbClr val="FF0000"/>
+                </a:solidFill>
+                <a:latin typeface="Bodoni MT Black" panose="02070A03080606020203" pitchFamily="18" charset="0"/>
+                <a:cs typeface="Times New Roman" panose="02020603050405020304" pitchFamily="18" charset="0"/>
+              </a:rPr>
+              <a:t>VS</a:t>
+            </a:r>
+          </a:p>
+        </p:txBody>
+      </p:sp>
     </p:spTree>
     <p:extLst>
       <p:ext uri="{BB962C8B-B14F-4D97-AF65-F5344CB8AC3E}">
